--- a/BackendDemoProject_ForExam.pptx
+++ b/BackendDemoProject_ForExam.pptx
@@ -1203,7 +1203,7 @@
           <a:p>
             <a:fld id="{5645C365-1C26-6946-87AF-75D6A7DF4277}" type="datetimeFigureOut">
               <a:rPr lang="en-GB" smtClean="0"/>
-              <a:t>15/09/2022</a:t>
+              <a:t>19/09/2022</a:t>
             </a:fld>
             <a:endParaRPr lang="en-GB"/>
           </a:p>
@@ -1702,7 +1702,7 @@
           <a:p>
             <a:fld id="{35B864B8-8D08-7B43-B4FB-B2FB41A5D9E3}" type="datetime1">
               <a:rPr lang="fi-FI" smtClean="0"/>
-              <a:t>15.9.2022</a:t>
+              <a:t>19.9.2022</a:t>
             </a:fld>
             <a:endParaRPr lang="en-GB" dirty="0"/>
           </a:p>
@@ -2029,7 +2029,7 @@
           <a:p>
             <a:fld id="{D5AEA85A-FC56-D34C-9AA6-ECC3D2586F37}" type="datetime1">
               <a:rPr lang="fi-FI" smtClean="0"/>
-              <a:t>15.9.2022</a:t>
+              <a:t>19.9.2022</a:t>
             </a:fld>
             <a:endParaRPr lang="en-GB" dirty="0"/>
           </a:p>
@@ -2239,7 +2239,7 @@
           <a:p>
             <a:fld id="{E6BC6EEF-E660-7844-8930-418AFF95EA40}" type="datetime1">
               <a:rPr lang="fi-FI" smtClean="0"/>
-              <a:t>15.9.2022</a:t>
+              <a:t>19.9.2022</a:t>
             </a:fld>
             <a:endParaRPr lang="en-GB" dirty="0"/>
           </a:p>
@@ -2548,7 +2548,7 @@
           <a:p>
             <a:fld id="{4E10C7EC-C1C1-9849-A573-7692478FCD52}" type="datetime1">
               <a:rPr lang="fi-FI" smtClean="0"/>
-              <a:t>15.9.2022</a:t>
+              <a:t>19.9.2022</a:t>
             </a:fld>
             <a:endParaRPr lang="en-GB" dirty="0"/>
           </a:p>
@@ -2821,7 +2821,7 @@
           <a:p>
             <a:fld id="{844FF3FE-30BE-2040-9151-6FBC4992BF4F}" type="datetime1">
               <a:rPr lang="fi-FI" smtClean="0"/>
-              <a:t>15.9.2022</a:t>
+              <a:t>19.9.2022</a:t>
             </a:fld>
             <a:endParaRPr lang="en-GB" dirty="0"/>
           </a:p>
@@ -3061,7 +3061,7 @@
           <a:p>
             <a:fld id="{11EDCD7B-6966-E249-89F2-D46BDFBF56BE}" type="datetime1">
               <a:rPr lang="fi-FI" smtClean="0"/>
-              <a:t>15.9.2022</a:t>
+              <a:t>19.9.2022</a:t>
             </a:fld>
             <a:endParaRPr lang="en-GB" dirty="0"/>
           </a:p>
@@ -3354,7 +3354,7 @@
           <a:p>
             <a:fld id="{11EDCD7B-6966-E249-89F2-D46BDFBF56BE}" type="datetime1">
               <a:rPr lang="fi-FI" smtClean="0"/>
-              <a:t>15.9.2022</a:t>
+              <a:t>19.9.2022</a:t>
             </a:fld>
             <a:endParaRPr lang="en-GB" dirty="0"/>
           </a:p>
@@ -3793,7 +3793,7 @@
           <a:p>
             <a:fld id="{844FF3FE-30BE-2040-9151-6FBC4992BF4F}" type="datetime1">
               <a:rPr lang="fi-FI" smtClean="0"/>
-              <a:t>15.9.2022</a:t>
+              <a:t>19.9.2022</a:t>
             </a:fld>
             <a:endParaRPr lang="en-GB" dirty="0"/>
           </a:p>
@@ -4021,7 +4021,7 @@
           <a:p>
             <a:fld id="{11EDCD7B-6966-E249-89F2-D46BDFBF56BE}" type="datetime1">
               <a:rPr lang="fi-FI" smtClean="0"/>
-              <a:t>15.9.2022</a:t>
+              <a:t>19.9.2022</a:t>
             </a:fld>
             <a:endParaRPr lang="en-GB" dirty="0"/>
           </a:p>
@@ -4436,7 +4436,7 @@
           <a:p>
             <a:fld id="{B62E192A-D52B-F541-B2AA-4AEB9388F1F7}" type="datetime1">
               <a:rPr lang="fi-FI" smtClean="0"/>
-              <a:t>15.9.2022</a:t>
+              <a:t>19.9.2022</a:t>
             </a:fld>
             <a:endParaRPr lang="en-GB" dirty="0"/>
           </a:p>
@@ -4736,7 +4736,7 @@
           <a:p>
             <a:fld id="{EEA4FAA2-2B3E-264C-A42F-2D6D3EF33A3C}" type="datetime1">
               <a:rPr lang="fi-FI" smtClean="0"/>
-              <a:t>15.9.2022</a:t>
+              <a:t>19.9.2022</a:t>
             </a:fld>
             <a:endParaRPr lang="en-GB" dirty="0"/>
           </a:p>
@@ -5639,7 +5639,7 @@
           <a:p>
             <a:fld id="{B3114A65-8017-1743-A85A-B2A4BB835AE9}" type="datetime1">
               <a:rPr lang="fi-FI" smtClean="0"/>
-              <a:t>15.9.2022</a:t>
+              <a:t>19.9.2022</a:t>
             </a:fld>
             <a:endParaRPr lang="en-GB" dirty="0"/>
           </a:p>
@@ -5867,7 +5867,7 @@
           <a:p>
             <a:fld id="{11EDCD7B-6966-E249-89F2-D46BDFBF56BE}" type="datetime1">
               <a:rPr lang="fi-FI" smtClean="0"/>
-              <a:t>15.9.2022</a:t>
+              <a:t>19.9.2022</a:t>
             </a:fld>
             <a:endParaRPr lang="en-GB" dirty="0"/>
           </a:p>
@@ -6159,7 +6159,7 @@
           <a:p>
             <a:fld id="{45F98643-D206-614D-B596-3C8548138211}" type="datetime1">
               <a:rPr lang="fi-FI" smtClean="0"/>
-              <a:t>15.9.2022</a:t>
+              <a:t>19.9.2022</a:t>
             </a:fld>
             <a:endParaRPr lang="en-GB" dirty="0"/>
           </a:p>
@@ -6804,7 +6804,7 @@
           <a:p>
             <a:fld id="{30BF63A1-919F-FB49-ABA8-182126D24C50}" type="datetime1">
               <a:rPr lang="fi-FI" smtClean="0"/>
-              <a:t>15.9.2022</a:t>
+              <a:t>19.9.2022</a:t>
             </a:fld>
             <a:endParaRPr lang="en-GB" dirty="0"/>
           </a:p>
@@ -7001,7 +7001,7 @@
           <a:p>
             <a:fld id="{202E1EC2-47B8-044B-A09E-6A63B4D80C87}" type="datetime1">
               <a:rPr lang="fi-FI" smtClean="0"/>
-              <a:t>15.9.2022</a:t>
+              <a:t>19.9.2022</a:t>
             </a:fld>
             <a:endParaRPr lang="en-GB"/>
           </a:p>
@@ -7239,7 +7239,7 @@
           <a:p>
             <a:fld id="{202E1EC2-47B8-044B-A09E-6A63B4D80C87}" type="datetime1">
               <a:rPr lang="fi-FI" smtClean="0"/>
-              <a:t>15.9.2022</a:t>
+              <a:t>19.9.2022</a:t>
             </a:fld>
             <a:endParaRPr lang="en-GB"/>
           </a:p>
@@ -7472,7 +7472,7 @@
           <a:p>
             <a:fld id="{202E1EC2-47B8-044B-A09E-6A63B4D80C87}" type="datetime1">
               <a:rPr lang="fi-FI" smtClean="0"/>
-              <a:t>15.9.2022</a:t>
+              <a:t>19.9.2022</a:t>
             </a:fld>
             <a:endParaRPr lang="en-GB"/>
           </a:p>
@@ -7684,7 +7684,7 @@
           <a:p>
             <a:fld id="{202E1EC2-47B8-044B-A09E-6A63B4D80C87}" type="datetime1">
               <a:rPr lang="fi-FI" smtClean="0"/>
-              <a:t>15.9.2022</a:t>
+              <a:t>19.9.2022</a:t>
             </a:fld>
             <a:endParaRPr lang="en-GB"/>
           </a:p>
@@ -8054,7 +8054,7 @@
           <a:p>
             <a:fld id="{202E1EC2-47B8-044B-A09E-6A63B4D80C87}" type="datetime1">
               <a:rPr lang="fi-FI" smtClean="0"/>
-              <a:t>15.9.2022</a:t>
+              <a:t>19.9.2022</a:t>
             </a:fld>
             <a:endParaRPr lang="en-GB"/>
           </a:p>
@@ -8252,7 +8252,7 @@
           <a:p>
             <a:fld id="{202E1EC2-47B8-044B-A09E-6A63B4D80C87}" type="datetime1">
               <a:rPr lang="fi-FI" smtClean="0"/>
-              <a:t>15.9.2022</a:t>
+              <a:t>19.9.2022</a:t>
             </a:fld>
             <a:endParaRPr lang="en-GB"/>
           </a:p>
@@ -8419,7 +8419,7 @@
             </a:r>
             <a:r>
               <a:rPr lang="en-US" i="1" dirty="0"/>
-              <a:t>file anywhere, it might contain secrets, like </a:t>
+              <a:t>file anywhere in public place, it might contain secrets, like </a:t>
             </a:r>
             <a:r>
               <a:rPr lang="en-US" i="1" dirty="0" err="1"/>
@@ -8491,7 +8491,7 @@
           <a:p>
             <a:fld id="{202E1EC2-47B8-044B-A09E-6A63B4D80C87}" type="datetime1">
               <a:rPr lang="fi-FI" smtClean="0"/>
-              <a:t>15.9.2022</a:t>
+              <a:t>19.9.2022</a:t>
             </a:fld>
             <a:endParaRPr lang="en-GB"/>
           </a:p>
@@ -8652,7 +8652,15 @@
           <a:p>
             <a:r>
               <a:rPr lang="en-US" i="1" dirty="0"/>
-              <a:t>The .env file (1.) that the </a:t>
+              <a:t>The </a:t>
+            </a:r>
+            <a:r>
+              <a:rPr lang="en-US" b="1" i="1" dirty="0"/>
+              <a:t>.env file (1.)</a:t>
+            </a:r>
+            <a:r>
+              <a:rPr lang="en-US" i="1" dirty="0"/>
+              <a:t> that the </a:t>
             </a:r>
             <a:r>
               <a:rPr lang="en-US" i="1" dirty="0" err="1"/>
@@ -8660,30 +8668,38 @@
             </a:r>
             <a:r>
               <a:rPr lang="en-US" i="1" dirty="0"/>
-              <a:t> library (see in the package.js (2.), added there with </a:t>
+              <a:t> library (see in the </a:t>
             </a:r>
             <a:r>
               <a:rPr lang="en-US" i="1" dirty="0" err="1"/>
+              <a:t>package.json</a:t>
+            </a:r>
+            <a:r>
+              <a:rPr lang="en-US" i="1" dirty="0"/>
+              <a:t> (2.), added there with </a:t>
+            </a:r>
+            <a:r>
+              <a:rPr lang="en-US" b="1" i="1" dirty="0" err="1"/>
               <a:t>npm</a:t>
             </a:r>
             <a:r>
+              <a:rPr lang="en-US" b="1" i="1" dirty="0"/>
+              <a:t> install </a:t>
+            </a:r>
+            <a:r>
+              <a:rPr lang="en-US" b="1" i="1" dirty="0" err="1"/>
+              <a:t>dotenv</a:t>
+            </a:r>
+            <a:r>
               <a:rPr lang="en-US" i="1" dirty="0"/>
-              <a:t> install </a:t>
-            </a:r>
-            <a:r>
-              <a:rPr lang="en-US" i="1" dirty="0" err="1"/>
-              <a:t>dotenv</a:t>
-            </a:r>
-            <a:r>
-              <a:rPr lang="en-US" i="1" dirty="0"/>
-              <a:t>) reads from file system and offers as ‘environment variables’ to other modules via </a:t>
-            </a:r>
-            <a:r>
-              <a:rPr lang="en-US" i="1" dirty="0" err="1"/>
+              <a:t>) reads from file system and offers as ‘environment variables’ to other modules with this kind of code </a:t>
+            </a:r>
+            <a:r>
+              <a:rPr lang="en-US" b="1" i="1" dirty="0" err="1"/>
               <a:t>process.env.VARIABLE_NAME_HERE</a:t>
             </a:r>
             <a:r>
-              <a:rPr lang="en-US" i="1" dirty="0"/>
+              <a:rPr lang="en-US" b="1" i="1" dirty="0"/>
               <a:t>  (3.)</a:t>
             </a:r>
           </a:p>
@@ -8697,7 +8713,20 @@
             <a:pPr lvl="1"/>
             <a:r>
               <a:rPr lang="en-US" i="1" dirty="0"/>
-              <a:t>e.g. </a:t>
+              <a:t>e.g. IP address of the database server</a:t>
+            </a:r>
+          </a:p>
+          <a:p>
+            <a:pPr lvl="1"/>
+            <a:r>
+              <a:rPr lang="en-US" i="1" dirty="0"/>
+              <a:t>or usernames and passwords</a:t>
+            </a:r>
+          </a:p>
+          <a:p>
+            <a:r>
+              <a:rPr lang="en-US" i="1" dirty="0"/>
+              <a:t>per developer file, thus could also contain developer’s preference, like </a:t>
             </a:r>
             <a:r>
               <a:rPr lang="en-US" i="1" dirty="0" err="1"/>
@@ -8705,27 +8734,6 @@
             </a:r>
             <a:r>
               <a:rPr lang="en-US" i="1" dirty="0"/>
-              <a:t> address of the database server</a:t>
-            </a:r>
-          </a:p>
-          <a:p>
-            <a:pPr lvl="1"/>
-            <a:r>
-              <a:rPr lang="en-US" i="1" dirty="0"/>
-              <a:t>or usernames and passwords</a:t>
-            </a:r>
-          </a:p>
-          <a:p>
-            <a:r>
-              <a:rPr lang="en-US" i="1" dirty="0"/>
-              <a:t>per developer file, thus could also contain developer’s preference, like </a:t>
-            </a:r>
-            <a:r>
-              <a:rPr lang="en-US" i="1" dirty="0" err="1"/>
-              <a:t>ip</a:t>
-            </a:r>
-            <a:r>
-              <a:rPr lang="en-US" i="1" dirty="0"/>
               <a:t> to own version of database</a:t>
             </a:r>
           </a:p>
@@ -8754,7 +8762,7 @@
           <a:p>
             <a:fld id="{202E1EC2-47B8-044B-A09E-6A63B4D80C87}" type="datetime1">
               <a:rPr lang="fi-FI" smtClean="0"/>
-              <a:t>15.9.2022</a:t>
+              <a:t>19.9.2022</a:t>
             </a:fld>
             <a:endParaRPr lang="en-GB"/>
           </a:p>
@@ -9109,7 +9117,7 @@
           <a:p>
             <a:fld id="{202E1EC2-47B8-044B-A09E-6A63B4D80C87}" type="datetime1">
               <a:rPr lang="fi-FI" smtClean="0"/>
-              <a:t>15.9.2022</a:t>
+              <a:t>19.9.2022</a:t>
             </a:fld>
             <a:endParaRPr lang="en-GB"/>
           </a:p>
@@ -9307,7 +9315,7 @@
           <a:p>
             <a:fld id="{202E1EC2-47B8-044B-A09E-6A63B4D80C87}" type="datetime1">
               <a:rPr lang="fi-FI" smtClean="0"/>
-              <a:t>15.9.2022</a:t>
+              <a:t>19.9.2022</a:t>
             </a:fld>
             <a:endParaRPr lang="en-GB"/>
           </a:p>
@@ -9509,7 +9517,7 @@
           <a:p>
             <a:fld id="{202E1EC2-47B8-044B-A09E-6A63B4D80C87}" type="datetime1">
               <a:rPr lang="fi-FI" smtClean="0"/>
-              <a:t>15.9.2022</a:t>
+              <a:t>19.9.2022</a:t>
             </a:fld>
             <a:endParaRPr lang="en-GB"/>
           </a:p>
@@ -9787,7 +9795,7 @@
           <a:p>
             <a:fld id="{202E1EC2-47B8-044B-A09E-6A63B4D80C87}" type="datetime1">
               <a:rPr lang="fi-FI" smtClean="0"/>
-              <a:t>15.9.2022</a:t>
+              <a:t>19.9.2022</a:t>
             </a:fld>
             <a:endParaRPr lang="en-GB"/>
           </a:p>
@@ -10417,24 +10425,6 @@
 </file>
 
 <file path=customXml/item1.xml><?xml version="1.0" encoding="utf-8"?>
-<?mso-contentType ?>
-<FormTemplates xmlns="http://schemas.microsoft.com/sharepoint/v3/contenttype/forms">
-  <Display>DocumentLibraryForm</Display>
-  <Edit>DocumentLibraryForm</Edit>
-  <New>DocumentLibraryForm</New>
-</FormTemplates>
-</file>
-
-<file path=customXml/item2.xml><?xml version="1.0" encoding="utf-8"?>
-<p:properties xmlns:p="http://schemas.microsoft.com/office/2006/metadata/properties" xmlns:xsi="http://www.w3.org/2001/XMLSchema-instance" xmlns:pc="http://schemas.microsoft.com/office/infopath/2007/PartnerControls">
-  <documentManagement>
-    <PublishingExpirationDate xmlns="http://schemas.microsoft.com/sharepoint/v3" xsi:nil="true"/>
-    <PublishingStartDate xmlns="http://schemas.microsoft.com/sharepoint/v3" xsi:nil="true"/>
-  </documentManagement>
-</p:properties>
-</file>
-
-<file path=customXml/item3.xml><?xml version="1.0" encoding="utf-8"?>
 <ct:contentTypeSchema xmlns:ct="http://schemas.microsoft.com/office/2006/metadata/contentType" xmlns:ma="http://schemas.microsoft.com/office/2006/metadata/properties/metaAttributes" ct:_="" ma:_="" ma:contentTypeName="Document" ma:contentTypeID="0x01010024C55B41993A414DABB8DD07ACBA0814" ma:contentTypeVersion="1" ma:contentTypeDescription="Create a new document." ma:contentTypeScope="" ma:versionID="3ea0c22b5866975a7b271665de4056c5">
   <xsd:schema xmlns:xsd="http://www.w3.org/2001/XMLSchema" xmlns:xs="http://www.w3.org/2001/XMLSchema" xmlns:p="http://schemas.microsoft.com/office/2006/metadata/properties" xmlns:ns1="http://schemas.microsoft.com/sharepoint/v3" targetNamespace="http://schemas.microsoft.com/office/2006/metadata/properties" ma:root="true" ma:fieldsID="ef2aa9ed40e72a78c3822fc753b43e87" ns1:_="">
     <xsd:import namespace="http://schemas.microsoft.com/sharepoint/v3"/>
@@ -10566,10 +10556,38 @@
 </ct:contentTypeSchema>
 </file>
 
+<file path=customXml/item2.xml><?xml version="1.0" encoding="utf-8"?>
+<p:properties xmlns:p="http://schemas.microsoft.com/office/2006/metadata/properties" xmlns:xsi="http://www.w3.org/2001/XMLSchema-instance" xmlns:pc="http://schemas.microsoft.com/office/infopath/2007/PartnerControls">
+  <documentManagement>
+    <PublishingExpirationDate xmlns="http://schemas.microsoft.com/sharepoint/v3" xsi:nil="true"/>
+    <PublishingStartDate xmlns="http://schemas.microsoft.com/sharepoint/v3" xsi:nil="true"/>
+  </documentManagement>
+</p:properties>
+</file>
+
+<file path=customXml/item3.xml><?xml version="1.0" encoding="utf-8"?>
+<?mso-contentType ?>
+<FormTemplates xmlns="http://schemas.microsoft.com/sharepoint/v3/contenttype/forms">
+  <Display>DocumentLibraryForm</Display>
+  <Edit>DocumentLibraryForm</Edit>
+  <New>DocumentLibraryForm</New>
+</FormTemplates>
+</file>
+
 <file path=customXml/itemProps1.xml><?xml version="1.0" encoding="utf-8"?>
-<ds:datastoreItem xmlns:ds="http://schemas.openxmlformats.org/officeDocument/2006/customXml" ds:itemID="{D546C03B-CD3A-4EA0-AAA4-0E00E896454E}">
+<ds:datastoreItem xmlns:ds="http://schemas.openxmlformats.org/officeDocument/2006/customXml" ds:itemID="{B9E4DC25-62AA-44A0-8D5C-DB44892588AF}">
   <ds:schemaRefs>
-    <ds:schemaRef ds:uri="http://schemas.microsoft.com/sharepoint/v3/contenttype/forms"/>
+    <ds:schemaRef ds:uri="http://schemas.microsoft.com/office/2006/metadata/contentType"/>
+    <ds:schemaRef ds:uri="http://schemas.microsoft.com/office/2006/metadata/properties/metaAttributes"/>
+    <ds:schemaRef ds:uri="http://www.w3.org/2001/XMLSchema"/>
+    <ds:schemaRef ds:uri="http://schemas.microsoft.com/office/2006/metadata/properties"/>
+    <ds:schemaRef ds:uri="http://schemas.microsoft.com/sharepoint/v3"/>
+    <ds:schemaRef ds:uri="http://schemas.microsoft.com/office/2006/documentManagement/types"/>
+    <ds:schemaRef ds:uri="http://schemas.microsoft.com/office/infopath/2007/PartnerControls"/>
+    <ds:schemaRef ds:uri="http://schemas.openxmlformats.org/package/2006/metadata/core-properties"/>
+    <ds:schemaRef ds:uri="http://purl.org/dc/elements/1.1/"/>
+    <ds:schemaRef ds:uri="http://purl.org/dc/terms/"/>
+    <ds:schemaRef ds:uri="http://schemas.microsoft.com/internal/obd"/>
   </ds:schemaRefs>
 </ds:datastoreItem>
 </file>
@@ -10591,19 +10609,9 @@
 </file>
 
 <file path=customXml/itemProps3.xml><?xml version="1.0" encoding="utf-8"?>
-<ds:datastoreItem xmlns:ds="http://schemas.openxmlformats.org/officeDocument/2006/customXml" ds:itemID="{B9E4DC25-62AA-44A0-8D5C-DB44892588AF}">
+<ds:datastoreItem xmlns:ds="http://schemas.openxmlformats.org/officeDocument/2006/customXml" ds:itemID="{D546C03B-CD3A-4EA0-AAA4-0E00E896454E}">
   <ds:schemaRefs>
-    <ds:schemaRef ds:uri="http://schemas.microsoft.com/office/2006/metadata/contentType"/>
-    <ds:schemaRef ds:uri="http://schemas.microsoft.com/office/2006/metadata/properties/metaAttributes"/>
-    <ds:schemaRef ds:uri="http://www.w3.org/2001/XMLSchema"/>
-    <ds:schemaRef ds:uri="http://schemas.microsoft.com/office/2006/metadata/properties"/>
-    <ds:schemaRef ds:uri="http://schemas.microsoft.com/sharepoint/v3"/>
-    <ds:schemaRef ds:uri="http://schemas.microsoft.com/office/2006/documentManagement/types"/>
-    <ds:schemaRef ds:uri="http://schemas.microsoft.com/office/infopath/2007/PartnerControls"/>
-    <ds:schemaRef ds:uri="http://schemas.openxmlformats.org/package/2006/metadata/core-properties"/>
-    <ds:schemaRef ds:uri="http://purl.org/dc/elements/1.1/"/>
-    <ds:schemaRef ds:uri="http://purl.org/dc/terms/"/>
-    <ds:schemaRef ds:uri="http://schemas.microsoft.com/internal/obd"/>
+    <ds:schemaRef ds:uri="http://schemas.microsoft.com/sharepoint/v3/contenttype/forms"/>
   </ds:schemaRefs>
 </ds:datastoreItem>
 </file>
--- a/BackendDemoProject_ForExam.pptx
+++ b/BackendDemoProject_ForExam.pptx
@@ -8692,7 +8692,35 @@
             </a:r>
             <a:r>
               <a:rPr lang="en-US" i="1" dirty="0"/>
-              <a:t>) reads from file system and offers as ‘environment variables’ to other modules with this kind of code </a:t>
+              <a:t>) after you have run </a:t>
+            </a:r>
+            <a:r>
+              <a:rPr lang="fi-FI" b="1" dirty="0" err="1"/>
+              <a:t>dotenv.config</a:t>
+            </a:r>
+            <a:r>
+              <a:rPr lang="fi-FI" b="1" dirty="0"/>
+              <a:t>({}); (3.) </a:t>
+            </a:r>
+            <a:r>
+              <a:rPr lang="fi-FI" dirty="0" err="1"/>
+              <a:t>that</a:t>
+            </a:r>
+            <a:r>
+              <a:rPr lang="fi-FI" dirty="0"/>
+              <a:t> </a:t>
+            </a:r>
+            <a:r>
+              <a:rPr lang="fi-FI" dirty="0" err="1"/>
+              <a:t>library</a:t>
+            </a:r>
+            <a:r>
+              <a:rPr lang="fi-FI" dirty="0"/>
+              <a:t> </a:t>
+            </a:r>
+            <a:r>
+              <a:rPr lang="en-US" i="1" dirty="0"/>
+              <a:t>reads from file system and offers as ‘environment variables’ to other modules with this kind of code </a:t>
             </a:r>
             <a:r>
               <a:rPr lang="en-US" b="1" i="1" dirty="0" err="1"/>
@@ -8700,7 +8728,7 @@
             </a:r>
             <a:r>
               <a:rPr lang="en-US" b="1" i="1" dirty="0"/>
-              <a:t>  (3.)</a:t>
+              <a:t>  (4.)</a:t>
             </a:r>
           </a:p>
           <a:p>
@@ -10425,6 +10453,24 @@
 </file>
 
 <file path=customXml/item1.xml><?xml version="1.0" encoding="utf-8"?>
+<?mso-contentType ?>
+<FormTemplates xmlns="http://schemas.microsoft.com/sharepoint/v3/contenttype/forms">
+  <Display>DocumentLibraryForm</Display>
+  <Edit>DocumentLibraryForm</Edit>
+  <New>DocumentLibraryForm</New>
+</FormTemplates>
+</file>
+
+<file path=customXml/item2.xml><?xml version="1.0" encoding="utf-8"?>
+<p:properties xmlns:p="http://schemas.microsoft.com/office/2006/metadata/properties" xmlns:xsi="http://www.w3.org/2001/XMLSchema-instance" xmlns:pc="http://schemas.microsoft.com/office/infopath/2007/PartnerControls">
+  <documentManagement>
+    <PublishingExpirationDate xmlns="http://schemas.microsoft.com/sharepoint/v3" xsi:nil="true"/>
+    <PublishingStartDate xmlns="http://schemas.microsoft.com/sharepoint/v3" xsi:nil="true"/>
+  </documentManagement>
+</p:properties>
+</file>
+
+<file path=customXml/item3.xml><?xml version="1.0" encoding="utf-8"?>
 <ct:contentTypeSchema xmlns:ct="http://schemas.microsoft.com/office/2006/metadata/contentType" xmlns:ma="http://schemas.microsoft.com/office/2006/metadata/properties/metaAttributes" ct:_="" ma:_="" ma:contentTypeName="Document" ma:contentTypeID="0x01010024C55B41993A414DABB8DD07ACBA0814" ma:contentTypeVersion="1" ma:contentTypeDescription="Create a new document." ma:contentTypeScope="" ma:versionID="3ea0c22b5866975a7b271665de4056c5">
   <xsd:schema xmlns:xsd="http://www.w3.org/2001/XMLSchema" xmlns:xs="http://www.w3.org/2001/XMLSchema" xmlns:p="http://schemas.microsoft.com/office/2006/metadata/properties" xmlns:ns1="http://schemas.microsoft.com/sharepoint/v3" targetNamespace="http://schemas.microsoft.com/office/2006/metadata/properties" ma:root="true" ma:fieldsID="ef2aa9ed40e72a78c3822fc753b43e87" ns1:_="">
     <xsd:import namespace="http://schemas.microsoft.com/sharepoint/v3"/>
@@ -10556,38 +10602,10 @@
 </ct:contentTypeSchema>
 </file>
 
-<file path=customXml/item2.xml><?xml version="1.0" encoding="utf-8"?>
-<p:properties xmlns:p="http://schemas.microsoft.com/office/2006/metadata/properties" xmlns:xsi="http://www.w3.org/2001/XMLSchema-instance" xmlns:pc="http://schemas.microsoft.com/office/infopath/2007/PartnerControls">
-  <documentManagement>
-    <PublishingExpirationDate xmlns="http://schemas.microsoft.com/sharepoint/v3" xsi:nil="true"/>
-    <PublishingStartDate xmlns="http://schemas.microsoft.com/sharepoint/v3" xsi:nil="true"/>
-  </documentManagement>
-</p:properties>
-</file>
-
-<file path=customXml/item3.xml><?xml version="1.0" encoding="utf-8"?>
-<?mso-contentType ?>
-<FormTemplates xmlns="http://schemas.microsoft.com/sharepoint/v3/contenttype/forms">
-  <Display>DocumentLibraryForm</Display>
-  <Edit>DocumentLibraryForm</Edit>
-  <New>DocumentLibraryForm</New>
-</FormTemplates>
-</file>
-
 <file path=customXml/itemProps1.xml><?xml version="1.0" encoding="utf-8"?>
-<ds:datastoreItem xmlns:ds="http://schemas.openxmlformats.org/officeDocument/2006/customXml" ds:itemID="{B9E4DC25-62AA-44A0-8D5C-DB44892588AF}">
+<ds:datastoreItem xmlns:ds="http://schemas.openxmlformats.org/officeDocument/2006/customXml" ds:itemID="{D546C03B-CD3A-4EA0-AAA4-0E00E896454E}">
   <ds:schemaRefs>
-    <ds:schemaRef ds:uri="http://schemas.microsoft.com/office/2006/metadata/contentType"/>
-    <ds:schemaRef ds:uri="http://schemas.microsoft.com/office/2006/metadata/properties/metaAttributes"/>
-    <ds:schemaRef ds:uri="http://www.w3.org/2001/XMLSchema"/>
-    <ds:schemaRef ds:uri="http://schemas.microsoft.com/office/2006/metadata/properties"/>
-    <ds:schemaRef ds:uri="http://schemas.microsoft.com/sharepoint/v3"/>
-    <ds:schemaRef ds:uri="http://schemas.microsoft.com/office/2006/documentManagement/types"/>
-    <ds:schemaRef ds:uri="http://schemas.microsoft.com/office/infopath/2007/PartnerControls"/>
-    <ds:schemaRef ds:uri="http://schemas.openxmlformats.org/package/2006/metadata/core-properties"/>
-    <ds:schemaRef ds:uri="http://purl.org/dc/elements/1.1/"/>
-    <ds:schemaRef ds:uri="http://purl.org/dc/terms/"/>
-    <ds:schemaRef ds:uri="http://schemas.microsoft.com/internal/obd"/>
+    <ds:schemaRef ds:uri="http://schemas.microsoft.com/sharepoint/v3/contenttype/forms"/>
   </ds:schemaRefs>
 </ds:datastoreItem>
 </file>
@@ -10609,9 +10627,19 @@
 </file>
 
 <file path=customXml/itemProps3.xml><?xml version="1.0" encoding="utf-8"?>
-<ds:datastoreItem xmlns:ds="http://schemas.openxmlformats.org/officeDocument/2006/customXml" ds:itemID="{D546C03B-CD3A-4EA0-AAA4-0E00E896454E}">
+<ds:datastoreItem xmlns:ds="http://schemas.openxmlformats.org/officeDocument/2006/customXml" ds:itemID="{B9E4DC25-62AA-44A0-8D5C-DB44892588AF}">
   <ds:schemaRefs>
-    <ds:schemaRef ds:uri="http://schemas.microsoft.com/sharepoint/v3/contenttype/forms"/>
+    <ds:schemaRef ds:uri="http://schemas.microsoft.com/office/2006/metadata/contentType"/>
+    <ds:schemaRef ds:uri="http://schemas.microsoft.com/office/2006/metadata/properties/metaAttributes"/>
+    <ds:schemaRef ds:uri="http://www.w3.org/2001/XMLSchema"/>
+    <ds:schemaRef ds:uri="http://schemas.microsoft.com/office/2006/metadata/properties"/>
+    <ds:schemaRef ds:uri="http://schemas.microsoft.com/sharepoint/v3"/>
+    <ds:schemaRef ds:uri="http://schemas.microsoft.com/office/2006/documentManagement/types"/>
+    <ds:schemaRef ds:uri="http://schemas.microsoft.com/office/infopath/2007/PartnerControls"/>
+    <ds:schemaRef ds:uri="http://schemas.openxmlformats.org/package/2006/metadata/core-properties"/>
+    <ds:schemaRef ds:uri="http://purl.org/dc/elements/1.1/"/>
+    <ds:schemaRef ds:uri="http://purl.org/dc/terms/"/>
+    <ds:schemaRef ds:uri="http://schemas.microsoft.com/internal/obd"/>
   </ds:schemaRefs>
 </ds:datastoreItem>
 </file>
--- a/BackendDemoProject_ForExam.pptx
+++ b/BackendDemoProject_ForExam.pptx
@@ -9720,7 +9720,7 @@
             <a:pPr lvl="1"/>
             <a:r>
               <a:rPr lang="en-US" i="1" dirty="0"/>
-              <a:t>Other options could be role based bundling of the endpoint</a:t>
+              <a:t>Other options could be role based bundling of the endpoints</a:t>
             </a:r>
           </a:p>
           <a:p>
@@ -9788,7 +9788,15 @@
             <a:pPr lvl="1"/>
             <a:r>
               <a:rPr lang="en-US" i="1" dirty="0"/>
-              <a:t>Why aren’t all endpoints in this project with the new model? That would take time, the five already demonstrate the new model well</a:t>
+              <a:t>Why aren’t all endpoints in this project with the new model? That would take time</a:t>
+            </a:r>
+            <a:r>
+              <a:rPr lang="en-US" i="1"/>
+              <a:t>, and the </a:t>
+            </a:r>
+            <a:r>
+              <a:rPr lang="en-US" i="1" dirty="0"/>
+              <a:t>five already demonstrate the new model well</a:t>
             </a:r>
           </a:p>
           <a:p>
@@ -10453,24 +10461,6 @@
 </file>
 
 <file path=customXml/item1.xml><?xml version="1.0" encoding="utf-8"?>
-<?mso-contentType ?>
-<FormTemplates xmlns="http://schemas.microsoft.com/sharepoint/v3/contenttype/forms">
-  <Display>DocumentLibraryForm</Display>
-  <Edit>DocumentLibraryForm</Edit>
-  <New>DocumentLibraryForm</New>
-</FormTemplates>
-</file>
-
-<file path=customXml/item2.xml><?xml version="1.0" encoding="utf-8"?>
-<p:properties xmlns:p="http://schemas.microsoft.com/office/2006/metadata/properties" xmlns:xsi="http://www.w3.org/2001/XMLSchema-instance" xmlns:pc="http://schemas.microsoft.com/office/infopath/2007/PartnerControls">
-  <documentManagement>
-    <PublishingExpirationDate xmlns="http://schemas.microsoft.com/sharepoint/v3" xsi:nil="true"/>
-    <PublishingStartDate xmlns="http://schemas.microsoft.com/sharepoint/v3" xsi:nil="true"/>
-  </documentManagement>
-</p:properties>
-</file>
-
-<file path=customXml/item3.xml><?xml version="1.0" encoding="utf-8"?>
 <ct:contentTypeSchema xmlns:ct="http://schemas.microsoft.com/office/2006/metadata/contentType" xmlns:ma="http://schemas.microsoft.com/office/2006/metadata/properties/metaAttributes" ct:_="" ma:_="" ma:contentTypeName="Document" ma:contentTypeID="0x01010024C55B41993A414DABB8DD07ACBA0814" ma:contentTypeVersion="1" ma:contentTypeDescription="Create a new document." ma:contentTypeScope="" ma:versionID="3ea0c22b5866975a7b271665de4056c5">
   <xsd:schema xmlns:xsd="http://www.w3.org/2001/XMLSchema" xmlns:xs="http://www.w3.org/2001/XMLSchema" xmlns:p="http://schemas.microsoft.com/office/2006/metadata/properties" xmlns:ns1="http://schemas.microsoft.com/sharepoint/v3" targetNamespace="http://schemas.microsoft.com/office/2006/metadata/properties" ma:root="true" ma:fieldsID="ef2aa9ed40e72a78c3822fc753b43e87" ns1:_="">
     <xsd:import namespace="http://schemas.microsoft.com/sharepoint/v3"/>
@@ -10602,10 +10592,38 @@
 </ct:contentTypeSchema>
 </file>
 
+<file path=customXml/item2.xml><?xml version="1.0" encoding="utf-8"?>
+<p:properties xmlns:p="http://schemas.microsoft.com/office/2006/metadata/properties" xmlns:xsi="http://www.w3.org/2001/XMLSchema-instance" xmlns:pc="http://schemas.microsoft.com/office/infopath/2007/PartnerControls">
+  <documentManagement>
+    <PublishingExpirationDate xmlns="http://schemas.microsoft.com/sharepoint/v3" xsi:nil="true"/>
+    <PublishingStartDate xmlns="http://schemas.microsoft.com/sharepoint/v3" xsi:nil="true"/>
+  </documentManagement>
+</p:properties>
+</file>
+
+<file path=customXml/item3.xml><?xml version="1.0" encoding="utf-8"?>
+<?mso-contentType ?>
+<FormTemplates xmlns="http://schemas.microsoft.com/sharepoint/v3/contenttype/forms">
+  <Display>DocumentLibraryForm</Display>
+  <Edit>DocumentLibraryForm</Edit>
+  <New>DocumentLibraryForm</New>
+</FormTemplates>
+</file>
+
 <file path=customXml/itemProps1.xml><?xml version="1.0" encoding="utf-8"?>
-<ds:datastoreItem xmlns:ds="http://schemas.openxmlformats.org/officeDocument/2006/customXml" ds:itemID="{D546C03B-CD3A-4EA0-AAA4-0E00E896454E}">
+<ds:datastoreItem xmlns:ds="http://schemas.openxmlformats.org/officeDocument/2006/customXml" ds:itemID="{B9E4DC25-62AA-44A0-8D5C-DB44892588AF}">
   <ds:schemaRefs>
-    <ds:schemaRef ds:uri="http://schemas.microsoft.com/sharepoint/v3/contenttype/forms"/>
+    <ds:schemaRef ds:uri="http://schemas.microsoft.com/office/2006/metadata/contentType"/>
+    <ds:schemaRef ds:uri="http://schemas.microsoft.com/office/2006/metadata/properties/metaAttributes"/>
+    <ds:schemaRef ds:uri="http://www.w3.org/2001/XMLSchema"/>
+    <ds:schemaRef ds:uri="http://schemas.microsoft.com/office/2006/metadata/properties"/>
+    <ds:schemaRef ds:uri="http://schemas.microsoft.com/sharepoint/v3"/>
+    <ds:schemaRef ds:uri="http://schemas.microsoft.com/office/2006/documentManagement/types"/>
+    <ds:schemaRef ds:uri="http://schemas.microsoft.com/office/infopath/2007/PartnerControls"/>
+    <ds:schemaRef ds:uri="http://schemas.openxmlformats.org/package/2006/metadata/core-properties"/>
+    <ds:schemaRef ds:uri="http://purl.org/dc/elements/1.1/"/>
+    <ds:schemaRef ds:uri="http://purl.org/dc/terms/"/>
+    <ds:schemaRef ds:uri="http://schemas.microsoft.com/internal/obd"/>
   </ds:schemaRefs>
 </ds:datastoreItem>
 </file>
@@ -10627,19 +10645,9 @@
 </file>
 
 <file path=customXml/itemProps3.xml><?xml version="1.0" encoding="utf-8"?>
-<ds:datastoreItem xmlns:ds="http://schemas.openxmlformats.org/officeDocument/2006/customXml" ds:itemID="{B9E4DC25-62AA-44A0-8D5C-DB44892588AF}">
+<ds:datastoreItem xmlns:ds="http://schemas.openxmlformats.org/officeDocument/2006/customXml" ds:itemID="{D546C03B-CD3A-4EA0-AAA4-0E00E896454E}">
   <ds:schemaRefs>
-    <ds:schemaRef ds:uri="http://schemas.microsoft.com/office/2006/metadata/contentType"/>
-    <ds:schemaRef ds:uri="http://schemas.microsoft.com/office/2006/metadata/properties/metaAttributes"/>
-    <ds:schemaRef ds:uri="http://www.w3.org/2001/XMLSchema"/>
-    <ds:schemaRef ds:uri="http://schemas.microsoft.com/office/2006/metadata/properties"/>
-    <ds:schemaRef ds:uri="http://schemas.microsoft.com/sharepoint/v3"/>
-    <ds:schemaRef ds:uri="http://schemas.microsoft.com/office/2006/documentManagement/types"/>
-    <ds:schemaRef ds:uri="http://schemas.microsoft.com/office/infopath/2007/PartnerControls"/>
-    <ds:schemaRef ds:uri="http://schemas.openxmlformats.org/package/2006/metadata/core-properties"/>
-    <ds:schemaRef ds:uri="http://purl.org/dc/elements/1.1/"/>
-    <ds:schemaRef ds:uri="http://purl.org/dc/terms/"/>
-    <ds:schemaRef ds:uri="http://schemas.microsoft.com/internal/obd"/>
+    <ds:schemaRef ds:uri="http://schemas.microsoft.com/sharepoint/v3/contenttype/forms"/>
   </ds:schemaRefs>
 </ds:datastoreItem>
 </file>